--- a/book_src/images/cover.pptx
+++ b/book_src/images/cover.pptx
@@ -243,7 +243,7 @@
           <a:p>
             <a:fld id="{61A3751B-697D-48ED-8937-A086D3D7C541}" type="datetimeFigureOut">
               <a:rPr lang="en-US" smtClean="0"/>
-              <a:t>7/13/2021</a:t>
+              <a:t>7/15/2021</a:t>
             </a:fld>
             <a:endParaRPr lang="en-US"/>
           </a:p>
@@ -413,7 +413,7 @@
           <a:p>
             <a:fld id="{61A3751B-697D-48ED-8937-A086D3D7C541}" type="datetimeFigureOut">
               <a:rPr lang="en-US" smtClean="0"/>
-              <a:t>7/13/2021</a:t>
+              <a:t>7/15/2021</a:t>
             </a:fld>
             <a:endParaRPr lang="en-US"/>
           </a:p>
@@ -593,7 +593,7 @@
           <a:p>
             <a:fld id="{61A3751B-697D-48ED-8937-A086D3D7C541}" type="datetimeFigureOut">
               <a:rPr lang="en-US" smtClean="0"/>
-              <a:t>7/13/2021</a:t>
+              <a:t>7/15/2021</a:t>
             </a:fld>
             <a:endParaRPr lang="en-US"/>
           </a:p>
@@ -763,7 +763,7 @@
           <a:p>
             <a:fld id="{61A3751B-697D-48ED-8937-A086D3D7C541}" type="datetimeFigureOut">
               <a:rPr lang="en-US" smtClean="0"/>
-              <a:t>7/13/2021</a:t>
+              <a:t>7/15/2021</a:t>
             </a:fld>
             <a:endParaRPr lang="en-US"/>
           </a:p>
@@ -1007,7 +1007,7 @@
           <a:p>
             <a:fld id="{61A3751B-697D-48ED-8937-A086D3D7C541}" type="datetimeFigureOut">
               <a:rPr lang="en-US" smtClean="0"/>
-              <a:t>7/13/2021</a:t>
+              <a:t>7/15/2021</a:t>
             </a:fld>
             <a:endParaRPr lang="en-US"/>
           </a:p>
@@ -1239,7 +1239,7 @@
           <a:p>
             <a:fld id="{61A3751B-697D-48ED-8937-A086D3D7C541}" type="datetimeFigureOut">
               <a:rPr lang="en-US" smtClean="0"/>
-              <a:t>7/13/2021</a:t>
+              <a:t>7/15/2021</a:t>
             </a:fld>
             <a:endParaRPr lang="en-US"/>
           </a:p>
@@ -1606,7 +1606,7 @@
           <a:p>
             <a:fld id="{61A3751B-697D-48ED-8937-A086D3D7C541}" type="datetimeFigureOut">
               <a:rPr lang="en-US" smtClean="0"/>
-              <a:t>7/13/2021</a:t>
+              <a:t>7/15/2021</a:t>
             </a:fld>
             <a:endParaRPr lang="en-US"/>
           </a:p>
@@ -1724,7 +1724,7 @@
           <a:p>
             <a:fld id="{61A3751B-697D-48ED-8937-A086D3D7C541}" type="datetimeFigureOut">
               <a:rPr lang="en-US" smtClean="0"/>
-              <a:t>7/13/2021</a:t>
+              <a:t>7/15/2021</a:t>
             </a:fld>
             <a:endParaRPr lang="en-US"/>
           </a:p>
@@ -1819,7 +1819,7 @@
           <a:p>
             <a:fld id="{61A3751B-697D-48ED-8937-A086D3D7C541}" type="datetimeFigureOut">
               <a:rPr lang="en-US" smtClean="0"/>
-              <a:t>7/13/2021</a:t>
+              <a:t>7/15/2021</a:t>
             </a:fld>
             <a:endParaRPr lang="en-US"/>
           </a:p>
@@ -2096,7 +2096,7 @@
           <a:p>
             <a:fld id="{61A3751B-697D-48ED-8937-A086D3D7C541}" type="datetimeFigureOut">
               <a:rPr lang="en-US" smtClean="0"/>
-              <a:t>7/13/2021</a:t>
+              <a:t>7/15/2021</a:t>
             </a:fld>
             <a:endParaRPr lang="en-US"/>
           </a:p>
@@ -2353,7 +2353,7 @@
           <a:p>
             <a:fld id="{61A3751B-697D-48ED-8937-A086D3D7C541}" type="datetimeFigureOut">
               <a:rPr lang="en-US" smtClean="0"/>
-              <a:t>7/13/2021</a:t>
+              <a:t>7/15/2021</a:t>
             </a:fld>
             <a:endParaRPr lang="en-US"/>
           </a:p>
@@ -2566,7 +2566,7 @@
           <a:p>
             <a:fld id="{61A3751B-697D-48ED-8937-A086D3D7C541}" type="datetimeFigureOut">
               <a:rPr lang="en-US" smtClean="0"/>
-              <a:t>7/13/2021</a:t>
+              <a:t>7/15/2021</a:t>
             </a:fld>
             <a:endParaRPr lang="en-US"/>
           </a:p>
@@ -3098,7 +3098,7 @@
         </p:nvSpPr>
         <p:spPr>
           <a:xfrm>
-            <a:off x="434059" y="4878892"/>
+            <a:off x="269169" y="4878892"/>
             <a:ext cx="6333348" cy="2315940"/>
           </a:xfrm>
           <a:prstGeom prst="rect">
@@ -3143,7 +3143,39 @@
                 <a:ea typeface="Tahoma" panose="020B0604030504040204" pitchFamily="34" charset="0"/>
                 <a:cs typeface="Tahoma" panose="020B0604030504040204" pitchFamily="34" charset="0"/>
               </a:rPr>
-              <a:t>R Companion for </a:t>
+              <a:t>An R Companion for </a:t>
+            </a:r>
+            <a:br>
+              <a:rPr lang="en-US" sz="5400">
+                <a:solidFill>
+                  <a:schemeClr val="tx1"/>
+                </a:solidFill>
+                <a:latin typeface="Bahnschrift" panose="020B0502040204020203" pitchFamily="34" charset="0"/>
+                <a:ea typeface="Tahoma" panose="020B0604030504040204" pitchFamily="34" charset="0"/>
+                <a:cs typeface="Tahoma" panose="020B0604030504040204" pitchFamily="34" charset="0"/>
+              </a:rPr>
+            </a:br>
+            <a:r>
+              <a:rPr lang="en-US" sz="5400">
+                <a:solidFill>
+                  <a:schemeClr val="tx1"/>
+                </a:solidFill>
+                <a:latin typeface="Bahnschrift" panose="020B0502040204020203" pitchFamily="34" charset="0"/>
+                <a:ea typeface="Tahoma" panose="020B0604030504040204" pitchFamily="34" charset="0"/>
+                <a:cs typeface="Tahoma" panose="020B0604030504040204" pitchFamily="34" charset="0"/>
+              </a:rPr>
+              <a:t>Introduction </a:t>
+            </a:r>
+            <a:r>
+              <a:rPr lang="en-US" sz="5400" dirty="0">
+                <a:solidFill>
+                  <a:schemeClr val="tx1"/>
+                </a:solidFill>
+                <a:latin typeface="Bahnschrift" panose="020B0502040204020203" pitchFamily="34" charset="0"/>
+                <a:ea typeface="Tahoma" panose="020B0604030504040204" pitchFamily="34" charset="0"/>
+                <a:cs typeface="Tahoma" panose="020B0604030504040204" pitchFamily="34" charset="0"/>
+              </a:rPr>
+              <a:t>to </a:t>
             </a:r>
             <a:br>
               <a:rPr lang="en-US" sz="5400" dirty="0">
@@ -3164,27 +3196,6 @@
                 <a:ea typeface="Tahoma" panose="020B0604030504040204" pitchFamily="34" charset="0"/>
                 <a:cs typeface="Tahoma" panose="020B0604030504040204" pitchFamily="34" charset="0"/>
               </a:rPr>
-              <a:t>Introduction to </a:t>
-            </a:r>
-            <a:br>
-              <a:rPr lang="en-US" sz="5400" dirty="0">
-                <a:solidFill>
-                  <a:schemeClr val="tx1"/>
-                </a:solidFill>
-                <a:latin typeface="Bahnschrift" panose="020B0502040204020203" pitchFamily="34" charset="0"/>
-                <a:ea typeface="Tahoma" panose="020B0604030504040204" pitchFamily="34" charset="0"/>
-                <a:cs typeface="Tahoma" panose="020B0604030504040204" pitchFamily="34" charset="0"/>
-              </a:rPr>
-            </a:br>
-            <a:r>
-              <a:rPr lang="en-US" sz="5400" dirty="0">
-                <a:solidFill>
-                  <a:schemeClr val="tx1"/>
-                </a:solidFill>
-                <a:latin typeface="Bahnschrift" panose="020B0502040204020203" pitchFamily="34" charset="0"/>
-                <a:ea typeface="Tahoma" panose="020B0604030504040204" pitchFamily="34" charset="0"/>
-                <a:cs typeface="Tahoma" panose="020B0604030504040204" pitchFamily="34" charset="0"/>
-              </a:rPr>
               <a:t>Data Mining</a:t>
             </a:r>
           </a:p>
@@ -3204,7 +3215,7 @@
         </p:nvSpPr>
         <p:spPr>
           <a:xfrm>
-            <a:off x="475000" y="7331821"/>
+            <a:off x="355080" y="7331821"/>
             <a:ext cx="3813219" cy="553998"/>
           </a:xfrm>
           <a:prstGeom prst="rect">
@@ -3272,7 +3283,7 @@
         </p:blipFill>
         <p:spPr bwMode="auto">
           <a:xfrm>
-            <a:off x="3320913" y="1241935"/>
+            <a:off x="3320913" y="1151995"/>
             <a:ext cx="2847538" cy="2206183"/>
           </a:xfrm>
           <a:prstGeom prst="rect">
